--- a/src/lectures/android-gps/android-gps.pptx
+++ b/src/lectures/android-gps/android-gps.pptx
@@ -227,7 +227,7 @@
           <a:p>
             <a:fld id="{6D65E8AE-67CB-425F-A941-9EF2C260E158}" type="datetimeFigureOut">
               <a:rPr lang="sv-SE" smtClean="0"/>
-              <a:t>2020-02-23</a:t>
+              <a:t>2020-03-01</a:t>
             </a:fld>
             <a:endParaRPr lang="sv-SE"/>
           </a:p>
@@ -392,7 +392,7 @@
           <a:p>
             <a:fld id="{38366049-D807-473D-9795-762417EEF104}" type="datetimeFigureOut">
               <a:rPr lang="en-US" smtClean="0"/>
-              <a:t>2/23/2020</a:t>
+              <a:t>3/1/2020</a:t>
             </a:fld>
             <a:endParaRPr lang="en-US"/>
           </a:p>
@@ -701,7 +701,7 @@
           <a:p>
             <a:fld id="{428859CC-B640-4DB3-BB6F-301CDED75AAD}" type="datetimeFigureOut">
               <a:rPr lang="sv-SE" smtClean="0"/>
-              <a:t>2020-02-23</a:t>
+              <a:t>2020-03-01</a:t>
             </a:fld>
             <a:endParaRPr lang="sv-SE"/>
           </a:p>
@@ -1051,7 +1051,7 @@
           <a:p>
             <a:fld id="{428859CC-B640-4DB3-BB6F-301CDED75AAD}" type="datetimeFigureOut">
               <a:rPr lang="sv-SE" smtClean="0"/>
-              <a:t>2020-02-23</a:t>
+              <a:t>2020-03-01</a:t>
             </a:fld>
             <a:endParaRPr lang="sv-SE"/>
           </a:p>
@@ -1301,7 +1301,7 @@
           <a:p>
             <a:fld id="{428859CC-B640-4DB3-BB6F-301CDED75AAD}" type="datetimeFigureOut">
               <a:rPr lang="sv-SE" smtClean="0"/>
-              <a:t>2020-02-23</a:t>
+              <a:t>2020-03-01</a:t>
             </a:fld>
             <a:endParaRPr lang="sv-SE"/>
           </a:p>
@@ -1660,7 +1660,7 @@
           <a:p>
             <a:fld id="{428859CC-B640-4DB3-BB6F-301CDED75AAD}" type="datetimeFigureOut">
               <a:rPr lang="sv-SE" smtClean="0"/>
-              <a:t>2020-02-23</a:t>
+              <a:t>2020-03-01</a:t>
             </a:fld>
             <a:endParaRPr lang="sv-SE"/>
           </a:p>
@@ -2011,7 +2011,7 @@
           <a:p>
             <a:fld id="{428859CC-B640-4DB3-BB6F-301CDED75AAD}" type="datetimeFigureOut">
               <a:rPr lang="sv-SE" smtClean="0"/>
-              <a:t>2020-02-23</a:t>
+              <a:t>2020-03-01</a:t>
             </a:fld>
             <a:endParaRPr lang="sv-SE"/>
           </a:p>
@@ -2443,7 +2443,7 @@
           <a:p>
             <a:fld id="{428859CC-B640-4DB3-BB6F-301CDED75AAD}" type="datetimeFigureOut">
               <a:rPr lang="sv-SE" smtClean="0"/>
-              <a:t>2020-02-23</a:t>
+              <a:t>2020-03-01</a:t>
             </a:fld>
             <a:endParaRPr lang="sv-SE"/>
           </a:p>
@@ -2867,7 +2867,7 @@
           <a:p>
             <a:fld id="{428859CC-B640-4DB3-BB6F-301CDED75AAD}" type="datetimeFigureOut">
               <a:rPr lang="sv-SE" smtClean="0"/>
-              <a:t>2020-02-23</a:t>
+              <a:t>2020-03-01</a:t>
             </a:fld>
             <a:endParaRPr lang="sv-SE"/>
           </a:p>
@@ -3299,7 +3299,7 @@
           <a:p>
             <a:fld id="{428859CC-B640-4DB3-BB6F-301CDED75AAD}" type="datetimeFigureOut">
               <a:rPr lang="sv-SE" smtClean="0"/>
-              <a:t>2020-02-23</a:t>
+              <a:t>2020-03-01</a:t>
             </a:fld>
             <a:endParaRPr lang="sv-SE"/>
           </a:p>
@@ -3625,7 +3625,7 @@
           <a:p>
             <a:fld id="{428859CC-B640-4DB3-BB6F-301CDED75AAD}" type="datetimeFigureOut">
               <a:rPr lang="sv-SE" smtClean="0"/>
-              <a:t>2020-02-23</a:t>
+              <a:t>2020-03-01</a:t>
             </a:fld>
             <a:endParaRPr lang="sv-SE"/>
           </a:p>
@@ -3825,7 +3825,7 @@
           <a:p>
             <a:fld id="{428859CC-B640-4DB3-BB6F-301CDED75AAD}" type="datetimeFigureOut">
               <a:rPr lang="sv-SE" smtClean="0"/>
-              <a:t>2020-02-23</a:t>
+              <a:t>2020-03-01</a:t>
             </a:fld>
             <a:endParaRPr lang="sv-SE"/>
           </a:p>
@@ -3986,7 +3986,7 @@
           <a:p>
             <a:fld id="{428859CC-B640-4DB3-BB6F-301CDED75AAD}" type="datetimeFigureOut">
               <a:rPr lang="sv-SE" smtClean="0"/>
-              <a:t>2020-02-23</a:t>
+              <a:t>2020-03-01</a:t>
             </a:fld>
             <a:endParaRPr lang="sv-SE"/>
           </a:p>
@@ -4254,7 +4254,7 @@
           <a:p>
             <a:fld id="{428859CC-B640-4DB3-BB6F-301CDED75AAD}" type="datetimeFigureOut">
               <a:rPr lang="sv-SE" smtClean="0"/>
-              <a:t>2020-02-23</a:t>
+              <a:t>2020-03-01</a:t>
             </a:fld>
             <a:endParaRPr lang="sv-SE"/>
           </a:p>
@@ -4459,7 +4459,7 @@
           <a:p>
             <a:fld id="{428859CC-B640-4DB3-BB6F-301CDED75AAD}" type="datetimeFigureOut">
               <a:rPr lang="sv-SE" smtClean="0"/>
-              <a:t>2020-02-23</a:t>
+              <a:t>2020-03-01</a:t>
             </a:fld>
             <a:endParaRPr lang="sv-SE"/>
           </a:p>
@@ -4681,7 +4681,7 @@
           <a:p>
             <a:fld id="{428859CC-B640-4DB3-BB6F-301CDED75AAD}" type="datetimeFigureOut">
               <a:rPr lang="sv-SE" smtClean="0"/>
-              <a:t>2020-02-23</a:t>
+              <a:t>2020-03-01</a:t>
             </a:fld>
             <a:endParaRPr lang="sv-SE"/>
           </a:p>
@@ -4915,7 +4915,7 @@
           <a:p>
             <a:fld id="{428859CC-B640-4DB3-BB6F-301CDED75AAD}" type="datetimeFigureOut">
               <a:rPr lang="sv-SE" smtClean="0"/>
-              <a:t>2020-02-23</a:t>
+              <a:t>2020-03-01</a:t>
             </a:fld>
             <a:endParaRPr lang="sv-SE"/>
           </a:p>
@@ -5137,7 +5137,7 @@
           <a:p>
             <a:fld id="{428859CC-B640-4DB3-BB6F-301CDED75AAD}" type="datetimeFigureOut">
               <a:rPr lang="sv-SE" smtClean="0"/>
-              <a:t>2020-02-23</a:t>
+              <a:t>2020-03-01</a:t>
             </a:fld>
             <a:endParaRPr lang="sv-SE"/>
           </a:p>
@@ -5371,7 +5371,7 @@
           <a:p>
             <a:fld id="{428859CC-B640-4DB3-BB6F-301CDED75AAD}" type="datetimeFigureOut">
               <a:rPr lang="sv-SE" smtClean="0"/>
-              <a:t>2020-02-23</a:t>
+              <a:t>2020-03-01</a:t>
             </a:fld>
             <a:endParaRPr lang="sv-SE"/>
           </a:p>
@@ -5785,7 +5785,7 @@
           <a:p>
             <a:fld id="{428859CC-B640-4DB3-BB6F-301CDED75AAD}" type="datetimeFigureOut">
               <a:rPr lang="sv-SE" smtClean="0"/>
-              <a:t>2020-02-23</a:t>
+              <a:t>2020-03-01</a:t>
             </a:fld>
             <a:endParaRPr lang="sv-SE"/>
           </a:p>
@@ -6197,7 +6197,7 @@
           <a:p>
             <a:fld id="{428859CC-B640-4DB3-BB6F-301CDED75AAD}" type="datetimeFigureOut">
               <a:rPr lang="sv-SE" smtClean="0"/>
-              <a:t>2020-02-23</a:t>
+              <a:t>2020-03-01</a:t>
             </a:fld>
             <a:endParaRPr lang="sv-SE"/>
           </a:p>
@@ -6514,7 +6514,7 @@
           <a:p>
             <a:fld id="{428859CC-B640-4DB3-BB6F-301CDED75AAD}" type="datetimeFigureOut">
               <a:rPr lang="sv-SE" smtClean="0"/>
-              <a:t>2020-02-23</a:t>
+              <a:t>2020-03-01</a:t>
             </a:fld>
             <a:endParaRPr lang="sv-SE"/>
           </a:p>
@@ -6829,7 +6829,7 @@
           <a:p>
             <a:fld id="{428859CC-B640-4DB3-BB6F-301CDED75AAD}" type="datetimeFigureOut">
               <a:rPr lang="sv-SE" smtClean="0"/>
-              <a:t>2020-02-23</a:t>
+              <a:t>2020-03-01</a:t>
             </a:fld>
             <a:endParaRPr lang="sv-SE"/>
           </a:p>
@@ -7117,7 +7117,7 @@
           <a:p>
             <a:fld id="{428859CC-B640-4DB3-BB6F-301CDED75AAD}" type="datetimeFigureOut">
               <a:rPr lang="sv-SE" smtClean="0"/>
-              <a:t>2020-02-23</a:t>
+              <a:t>2020-03-01</a:t>
             </a:fld>
             <a:endParaRPr lang="sv-SE"/>
           </a:p>
@@ -7419,7 +7419,7 @@
           <a:p>
             <a:fld id="{428859CC-B640-4DB3-BB6F-301CDED75AAD}" type="datetimeFigureOut">
               <a:rPr lang="sv-SE" smtClean="0"/>
-              <a:t>2020-02-23</a:t>
+              <a:t>2020-03-01</a:t>
             </a:fld>
             <a:endParaRPr lang="sv-SE"/>
           </a:p>
@@ -7701,7 +7701,7 @@
           <a:p>
             <a:fld id="{428859CC-B640-4DB3-BB6F-301CDED75AAD}" type="datetimeFigureOut">
               <a:rPr lang="sv-SE" smtClean="0"/>
-              <a:t>2020-02-23</a:t>
+              <a:t>2020-03-01</a:t>
             </a:fld>
             <a:endParaRPr lang="sv-SE"/>
           </a:p>
@@ -10843,7 +10843,7 @@
         <p:spPr>
           <a:xfrm>
             <a:off x="140617" y="1693006"/>
-            <a:ext cx="10515600" cy="4598182"/>
+            <a:ext cx="10515600" cy="3436069"/>
           </a:xfrm>
           <a:prstGeom prst="rect">
             <a:avLst/>
@@ -11241,7 +11241,7 @@
                 <a:latin typeface="Courier New" panose="02070309020205020404" pitchFamily="49" charset="0"/>
                 <a:cs typeface="Courier New" panose="02070309020205020404" pitchFamily="49" charset="0"/>
               </a:rPr>
-              <a:t>onStatusChanged</a:t>
+              <a:t>onProviderEnabled</a:t>
             </a:r>
             <a:r>
               <a:rPr lang="en-US" sz="2200" dirty="0">
@@ -11251,46 +11251,7 @@
                 <a:latin typeface="Courier New" panose="02070309020205020404" pitchFamily="49" charset="0"/>
                 <a:cs typeface="Courier New" panose="02070309020205020404" pitchFamily="49" charset="0"/>
               </a:rPr>
-              <a:t>(String provider, </a:t>
-            </a:r>
-            <a:r>
-              <a:rPr lang="en-US" sz="2200" b="1" dirty="0" err="1">
-                <a:solidFill>
-                  <a:schemeClr val="tx2"/>
-                </a:solidFill>
-                <a:latin typeface="Courier New" panose="02070309020205020404" pitchFamily="49" charset="0"/>
-                <a:cs typeface="Courier New" panose="02070309020205020404" pitchFamily="49" charset="0"/>
-              </a:rPr>
-              <a:t>int</a:t>
-            </a:r>
-            <a:r>
-              <a:rPr lang="en-US" sz="2200" dirty="0">
-                <a:solidFill>
-                  <a:schemeClr val="tx1"/>
-                </a:solidFill>
-                <a:latin typeface="Courier New" panose="02070309020205020404" pitchFamily="49" charset="0"/>
-                <a:cs typeface="Courier New" panose="02070309020205020404" pitchFamily="49" charset="0"/>
-              </a:rPr>
-              <a:t> status,</a:t>
-            </a:r>
-            <a:br>
-              <a:rPr lang="en-US" sz="2200" dirty="0">
-                <a:solidFill>
-                  <a:schemeClr val="tx1"/>
-                </a:solidFill>
-                <a:latin typeface="Courier New" panose="02070309020205020404" pitchFamily="49" charset="0"/>
-                <a:cs typeface="Courier New" panose="02070309020205020404" pitchFamily="49" charset="0"/>
-              </a:rPr>
-            </a:br>
-            <a:r>
-              <a:rPr lang="en-US" sz="2200" dirty="0">
-                <a:solidFill>
-                  <a:schemeClr val="tx1"/>
-                </a:solidFill>
-                <a:latin typeface="Courier New" panose="02070309020205020404" pitchFamily="49" charset="0"/>
-                <a:cs typeface="Courier New" panose="02070309020205020404" pitchFamily="49" charset="0"/>
-              </a:rPr>
-              <a:t>                              Bundle extras){ }</a:t>
+              <a:t>(String provider){ }</a:t>
             </a:r>
           </a:p>
           <a:p>
@@ -11350,7 +11311,7 @@
                 <a:latin typeface="Courier New" panose="02070309020205020404" pitchFamily="49" charset="0"/>
                 <a:cs typeface="Courier New" panose="02070309020205020404" pitchFamily="49" charset="0"/>
               </a:rPr>
-              <a:t>onProviderEnabled</a:t>
+              <a:t>onProviderDisabled</a:t>
             </a:r>
             <a:r>
               <a:rPr lang="en-US" sz="2200" dirty="0">
@@ -11375,149 +11336,7 @@
                 <a:latin typeface="Courier New" panose="02070309020205020404" pitchFamily="49" charset="0"/>
                 <a:cs typeface="Courier New" panose="02070309020205020404" pitchFamily="49" charset="0"/>
               </a:rPr>
-              <a:t>  @Override</a:t>
-            </a:r>
-          </a:p>
-          <a:p>
-            <a:pPr marL="0" indent="0">
-              <a:buNone/>
-            </a:pPr>
-            <a:r>
-              <a:rPr lang="en-US" sz="2200" dirty="0">
-                <a:solidFill>
-                  <a:schemeClr val="tx1"/>
-                </a:solidFill>
-                <a:latin typeface="Courier New" panose="02070309020205020404" pitchFamily="49" charset="0"/>
-                <a:cs typeface="Courier New" panose="02070309020205020404" pitchFamily="49" charset="0"/>
-              </a:rPr>
-              <a:t>  </a:t>
-            </a:r>
-            <a:r>
-              <a:rPr lang="en-US" sz="2200" b="1" dirty="0">
-                <a:solidFill>
-                  <a:schemeClr val="tx2"/>
-                </a:solidFill>
-                <a:latin typeface="Courier New" panose="02070309020205020404" pitchFamily="49" charset="0"/>
-                <a:cs typeface="Courier New" panose="02070309020205020404" pitchFamily="49" charset="0"/>
-              </a:rPr>
-              <a:t>public void</a:t>
-            </a:r>
-            <a:r>
-              <a:rPr lang="en-US" sz="2200" dirty="0">
-                <a:solidFill>
-                  <a:schemeClr val="tx1"/>
-                </a:solidFill>
-                <a:latin typeface="Courier New" panose="02070309020205020404" pitchFamily="49" charset="0"/>
-                <a:cs typeface="Courier New" panose="02070309020205020404" pitchFamily="49" charset="0"/>
-              </a:rPr>
-              <a:t> </a:t>
-            </a:r>
-            <a:r>
-              <a:rPr lang="en-US" sz="2200" dirty="0" err="1">
-                <a:solidFill>
-                  <a:schemeClr val="tx1"/>
-                </a:solidFill>
-                <a:latin typeface="Courier New" panose="02070309020205020404" pitchFamily="49" charset="0"/>
-                <a:cs typeface="Courier New" panose="02070309020205020404" pitchFamily="49" charset="0"/>
-              </a:rPr>
-              <a:t>onProviderDisabled</a:t>
-            </a:r>
-            <a:r>
-              <a:rPr lang="en-US" sz="2200" dirty="0">
-                <a:solidFill>
-                  <a:schemeClr val="tx1"/>
-                </a:solidFill>
-                <a:latin typeface="Courier New" panose="02070309020205020404" pitchFamily="49" charset="0"/>
-                <a:cs typeface="Courier New" panose="02070309020205020404" pitchFamily="49" charset="0"/>
-              </a:rPr>
-              <a:t>(String provider){ }</a:t>
-            </a:r>
-          </a:p>
-          <a:p>
-            <a:pPr marL="0" indent="0">
-              <a:buNone/>
-            </a:pPr>
-            <a:r>
-              <a:rPr lang="en-US" sz="2200" dirty="0">
-                <a:solidFill>
-                  <a:schemeClr val="tx1"/>
-                </a:solidFill>
-                <a:latin typeface="Courier New" panose="02070309020205020404" pitchFamily="49" charset="0"/>
-                <a:cs typeface="Courier New" panose="02070309020205020404" pitchFamily="49" charset="0"/>
-              </a:rPr>
               <a:t>};</a:t>
-            </a:r>
-          </a:p>
-        </p:txBody>
-      </p:sp>
-      <p:sp>
-        <p:nvSpPr>
-          <p:cNvPr id="5" name="Speech Bubble: Rectangle 4">
-            <a:extLst>
-              <a:ext uri="{FF2B5EF4-FFF2-40B4-BE49-F238E27FC236}">
-                <a16:creationId xmlns:a16="http://schemas.microsoft.com/office/drawing/2014/main" id="{4AF2572B-2CE3-4F3F-8189-A0974FA89687}"/>
-              </a:ext>
-            </a:extLst>
-          </p:cNvPr>
-          <p:cNvSpPr/>
-          <p:nvPr/>
-        </p:nvSpPr>
-        <p:spPr>
-          <a:xfrm>
-            <a:off x="8897083" y="3869549"/>
-            <a:ext cx="3367189" cy="947394"/>
-          </a:xfrm>
-          <a:prstGeom prst="wedgeRectCallout">
-            <a:avLst>
-              <a:gd name="adj1" fmla="val -30660"/>
-              <a:gd name="adj2" fmla="val -64947"/>
-            </a:avLst>
-          </a:prstGeom>
-        </p:spPr>
-        <p:style>
-          <a:lnRef idx="2">
-            <a:schemeClr val="accent1">
-              <a:shade val="50000"/>
-            </a:schemeClr>
-          </a:lnRef>
-          <a:fillRef idx="1">
-            <a:schemeClr val="accent1"/>
-          </a:fillRef>
-          <a:effectRef idx="0">
-            <a:schemeClr val="accent1"/>
-          </a:effectRef>
-          <a:fontRef idx="minor">
-            <a:schemeClr val="lt1"/>
-          </a:fontRef>
-        </p:style>
-        <p:txBody>
-          <a:bodyPr rtlCol="0" anchor="ctr"/>
-          <a:lstStyle/>
-          <a:p>
-            <a:r>
-              <a:rPr lang="en-US" dirty="0">
-                <a:latin typeface="Courier New" panose="02070309020205020404" pitchFamily="49" charset="0"/>
-                <a:cs typeface="Courier New" panose="02070309020205020404" pitchFamily="49" charset="0"/>
-              </a:rPr>
-              <a:t>OUT_OF_SERVICE</a:t>
-            </a:r>
-          </a:p>
-          <a:p>
-            <a:r>
-              <a:rPr lang="en-US" dirty="0">
-                <a:latin typeface="Courier New" panose="02070309020205020404" pitchFamily="49" charset="0"/>
-                <a:cs typeface="Courier New" panose="02070309020205020404" pitchFamily="49" charset="0"/>
-              </a:rPr>
-              <a:t>TEMPORARILY_UNAVAILABLE</a:t>
-            </a:r>
-          </a:p>
-          <a:p>
-            <a:r>
-              <a:rPr lang="en-US" dirty="0">
-                <a:latin typeface="Courier New" panose="02070309020205020404" pitchFamily="49" charset="0"/>
-                <a:cs typeface="Courier New" panose="02070309020205020404" pitchFamily="49" charset="0"/>
-              </a:rPr>
-              <a:t>AVAILABLE</a:t>
             </a:r>
           </a:p>
         </p:txBody>
@@ -11599,7 +11418,7 @@
                                         <p:tgtEl>
                                           <p:spTgt spid="4">
                                             <p:txEl>
-                                              <p:pRg st="9" end="9"/>
+                                              <p:pRg st="7" end="7"/>
                                             </p:txEl>
                                           </p:spTgt>
                                         </p:tgtEl>
@@ -11793,7 +11612,7 @@
                             </p:stCondLst>
                             <p:childTnLst>
                               <p:par>
-                                <p:cTn id="23" presetID="1" presetClass="entr" presetSubtype="0" fill="hold" grpId="0" nodeType="clickEffect">
+                                <p:cTn id="23" presetID="1" presetClass="entr" presetSubtype="0" fill="hold" nodeType="clickEffect">
                                   <p:stCondLst>
                                     <p:cond delay="0"/>
                                   </p:stCondLst>
@@ -11801,200 +11620,6 @@
                                     <p:set>
                                       <p:cBhvr>
                                         <p:cTn id="24" dur="1" fill="hold">
-                                          <p:stCondLst>
-                                            <p:cond delay="0"/>
-                                          </p:stCondLst>
-                                        </p:cTn>
-                                        <p:tgtEl>
-                                          <p:spTgt spid="5">
-                                            <p:bg/>
-                                          </p:spTgt>
-                                        </p:tgtEl>
-                                        <p:attrNameLst>
-                                          <p:attrName>style.visibility</p:attrName>
-                                        </p:attrNameLst>
-                                      </p:cBhvr>
-                                      <p:to>
-                                        <p:strVal val="visible"/>
-                                      </p:to>
-                                    </p:set>
-                                  </p:childTnLst>
-                                </p:cTn>
-                              </p:par>
-                            </p:childTnLst>
-                          </p:cTn>
-                        </p:par>
-                      </p:childTnLst>
-                    </p:cTn>
-                  </p:par>
-                  <p:par>
-                    <p:cTn id="25" fill="hold">
-                      <p:stCondLst>
-                        <p:cond delay="indefinite"/>
-                      </p:stCondLst>
-                      <p:childTnLst>
-                        <p:par>
-                          <p:cTn id="26" fill="hold">
-                            <p:stCondLst>
-                              <p:cond delay="0"/>
-                            </p:stCondLst>
-                            <p:childTnLst>
-                              <p:par>
-                                <p:cTn id="27" presetID="1" presetClass="entr" presetSubtype="0" fill="hold" grpId="0" nodeType="clickEffect">
-                                  <p:stCondLst>
-                                    <p:cond delay="0"/>
-                                  </p:stCondLst>
-                                  <p:childTnLst>
-                                    <p:set>
-                                      <p:cBhvr>
-                                        <p:cTn id="28" dur="1" fill="hold">
-                                          <p:stCondLst>
-                                            <p:cond delay="0"/>
-                                          </p:stCondLst>
-                                        </p:cTn>
-                                        <p:tgtEl>
-                                          <p:spTgt spid="5">
-                                            <p:txEl>
-                                              <p:pRg st="0" end="0"/>
-                                            </p:txEl>
-                                          </p:spTgt>
-                                        </p:tgtEl>
-                                        <p:attrNameLst>
-                                          <p:attrName>style.visibility</p:attrName>
-                                        </p:attrNameLst>
-                                      </p:cBhvr>
-                                      <p:to>
-                                        <p:strVal val="visible"/>
-                                      </p:to>
-                                    </p:set>
-                                  </p:childTnLst>
-                                </p:cTn>
-                              </p:par>
-                            </p:childTnLst>
-                          </p:cTn>
-                        </p:par>
-                      </p:childTnLst>
-                    </p:cTn>
-                  </p:par>
-                  <p:par>
-                    <p:cTn id="29" fill="hold">
-                      <p:stCondLst>
-                        <p:cond delay="indefinite"/>
-                      </p:stCondLst>
-                      <p:childTnLst>
-                        <p:par>
-                          <p:cTn id="30" fill="hold">
-                            <p:stCondLst>
-                              <p:cond delay="0"/>
-                            </p:stCondLst>
-                            <p:childTnLst>
-                              <p:par>
-                                <p:cTn id="31" presetID="1" presetClass="entr" presetSubtype="0" fill="hold" grpId="0" nodeType="clickEffect">
-                                  <p:stCondLst>
-                                    <p:cond delay="0"/>
-                                  </p:stCondLst>
-                                  <p:childTnLst>
-                                    <p:set>
-                                      <p:cBhvr>
-                                        <p:cTn id="32" dur="1" fill="hold">
-                                          <p:stCondLst>
-                                            <p:cond delay="0"/>
-                                          </p:stCondLst>
-                                        </p:cTn>
-                                        <p:tgtEl>
-                                          <p:spTgt spid="5">
-                                            <p:txEl>
-                                              <p:pRg st="1" end="1"/>
-                                            </p:txEl>
-                                          </p:spTgt>
-                                        </p:tgtEl>
-                                        <p:attrNameLst>
-                                          <p:attrName>style.visibility</p:attrName>
-                                        </p:attrNameLst>
-                                      </p:cBhvr>
-                                      <p:to>
-                                        <p:strVal val="visible"/>
-                                      </p:to>
-                                    </p:set>
-                                  </p:childTnLst>
-                                </p:cTn>
-                              </p:par>
-                            </p:childTnLst>
-                          </p:cTn>
-                        </p:par>
-                      </p:childTnLst>
-                    </p:cTn>
-                  </p:par>
-                  <p:par>
-                    <p:cTn id="33" fill="hold">
-                      <p:stCondLst>
-                        <p:cond delay="indefinite"/>
-                      </p:stCondLst>
-                      <p:childTnLst>
-                        <p:par>
-                          <p:cTn id="34" fill="hold">
-                            <p:stCondLst>
-                              <p:cond delay="0"/>
-                            </p:stCondLst>
-                            <p:childTnLst>
-                              <p:par>
-                                <p:cTn id="35" presetID="1" presetClass="entr" presetSubtype="0" fill="hold" grpId="0" nodeType="clickEffect">
-                                  <p:stCondLst>
-                                    <p:cond delay="0"/>
-                                  </p:stCondLst>
-                                  <p:childTnLst>
-                                    <p:set>
-                                      <p:cBhvr>
-                                        <p:cTn id="36" dur="1" fill="hold">
-                                          <p:stCondLst>
-                                            <p:cond delay="0"/>
-                                          </p:stCondLst>
-                                        </p:cTn>
-                                        <p:tgtEl>
-                                          <p:spTgt spid="5">
-                                            <p:txEl>
-                                              <p:pRg st="2" end="2"/>
-                                            </p:txEl>
-                                          </p:spTgt>
-                                        </p:tgtEl>
-                                        <p:attrNameLst>
-                                          <p:attrName>style.visibility</p:attrName>
-                                        </p:attrNameLst>
-                                      </p:cBhvr>
-                                      <p:to>
-                                        <p:strVal val="visible"/>
-                                      </p:to>
-                                    </p:set>
-                                  </p:childTnLst>
-                                </p:cTn>
-                              </p:par>
-                            </p:childTnLst>
-                          </p:cTn>
-                        </p:par>
-                      </p:childTnLst>
-                    </p:cTn>
-                  </p:par>
-                  <p:par>
-                    <p:cTn id="37" fill="hold">
-                      <p:stCondLst>
-                        <p:cond delay="indefinite"/>
-                      </p:stCondLst>
-                      <p:childTnLst>
-                        <p:par>
-                          <p:cTn id="38" fill="hold">
-                            <p:stCondLst>
-                              <p:cond delay="0"/>
-                            </p:stCondLst>
-                            <p:childTnLst>
-                              <p:par>
-                                <p:cTn id="39" presetID="1" presetClass="entr" presetSubtype="0" fill="hold" nodeType="clickEffect">
-                                  <p:stCondLst>
-                                    <p:cond delay="0"/>
-                                  </p:stCondLst>
-                                  <p:childTnLst>
-                                    <p:set>
-                                      <p:cBhvr>
-                                        <p:cTn id="40" dur="1" fill="hold">
                                           <p:stCondLst>
                                             <p:cond delay="0"/>
                                           </p:stCondLst>
@@ -12018,14 +11643,14 @@
                                 </p:cTn>
                               </p:par>
                               <p:par>
-                                <p:cTn id="41" presetID="1" presetClass="entr" presetSubtype="0" fill="hold" nodeType="withEffect">
+                                <p:cTn id="25" presetID="1" presetClass="entr" presetSubtype="0" fill="hold" nodeType="withEffect">
                                   <p:stCondLst>
                                     <p:cond delay="0"/>
                                   </p:stCondLst>
                                   <p:childTnLst>
                                     <p:set>
                                       <p:cBhvr>
-                                        <p:cTn id="42" dur="1" fill="hold">
+                                        <p:cTn id="26" dur="1" fill="hold">
                                           <p:stCondLst>
                                             <p:cond delay="0"/>
                                           </p:stCondLst>
@@ -12034,86 +11659,6 @@
                                           <p:spTgt spid="4">
                                             <p:txEl>
                                               <p:pRg st="6" end="6"/>
-                                            </p:txEl>
-                                          </p:spTgt>
-                                        </p:tgtEl>
-                                        <p:attrNameLst>
-                                          <p:attrName>style.visibility</p:attrName>
-                                        </p:attrNameLst>
-                                      </p:cBhvr>
-                                      <p:to>
-                                        <p:strVal val="visible"/>
-                                      </p:to>
-                                    </p:set>
-                                  </p:childTnLst>
-                                </p:cTn>
-                              </p:par>
-                            </p:childTnLst>
-                          </p:cTn>
-                        </p:par>
-                      </p:childTnLst>
-                    </p:cTn>
-                  </p:par>
-                  <p:par>
-                    <p:cTn id="43" fill="hold">
-                      <p:stCondLst>
-                        <p:cond delay="indefinite"/>
-                      </p:stCondLst>
-                      <p:childTnLst>
-                        <p:par>
-                          <p:cTn id="44" fill="hold">
-                            <p:stCondLst>
-                              <p:cond delay="0"/>
-                            </p:stCondLst>
-                            <p:childTnLst>
-                              <p:par>
-                                <p:cTn id="45" presetID="1" presetClass="entr" presetSubtype="0" fill="hold" nodeType="clickEffect">
-                                  <p:stCondLst>
-                                    <p:cond delay="0"/>
-                                  </p:stCondLst>
-                                  <p:childTnLst>
-                                    <p:set>
-                                      <p:cBhvr>
-                                        <p:cTn id="46" dur="1" fill="hold">
-                                          <p:stCondLst>
-                                            <p:cond delay="0"/>
-                                          </p:stCondLst>
-                                        </p:cTn>
-                                        <p:tgtEl>
-                                          <p:spTgt spid="4">
-                                            <p:txEl>
-                                              <p:pRg st="7" end="7"/>
-                                            </p:txEl>
-                                          </p:spTgt>
-                                        </p:tgtEl>
-                                        <p:attrNameLst>
-                                          <p:attrName>style.visibility</p:attrName>
-                                        </p:attrNameLst>
-                                      </p:cBhvr>
-                                      <p:to>
-                                        <p:strVal val="visible"/>
-                                      </p:to>
-                                    </p:set>
-                                  </p:childTnLst>
-                                </p:cTn>
-                              </p:par>
-                              <p:par>
-                                <p:cTn id="47" presetID="1" presetClass="entr" presetSubtype="0" fill="hold" nodeType="withEffect">
-                                  <p:stCondLst>
-                                    <p:cond delay="0"/>
-                                  </p:stCondLst>
-                                  <p:childTnLst>
-                                    <p:set>
-                                      <p:cBhvr>
-                                        <p:cTn id="48" dur="1" fill="hold">
-                                          <p:stCondLst>
-                                            <p:cond delay="0"/>
-                                          </p:stCondLst>
-                                        </p:cTn>
-                                        <p:tgtEl>
-                                          <p:spTgt spid="4">
-                                            <p:txEl>
-                                              <p:pRg st="8" end="8"/>
                                             </p:txEl>
                                           </p:spTgt>
                                         </p:tgtEl>
@@ -12155,9 +11700,6 @@
         </p:cTn>
       </p:par>
     </p:tnLst>
-    <p:bldLst>
-      <p:bldP spid="5" grpId="0" build="p" animBg="1"/>
-    </p:bldLst>
   </p:timing>
 </p:sld>
 </file>
@@ -13510,10 +13052,16 @@
             <a:pPr lvl="1"/>
             <a:r>
               <a:rPr lang="en-US" dirty="0">
+                <a:sym typeface="Wingdings" panose="05000000000000000000" pitchFamily="2" charset="2"/>
+              </a:rPr>
+              <a:t>Firebase</a:t>
+            </a:r>
+            <a:r>
+              <a:rPr lang="en-US" dirty="0">
                 <a:latin typeface="Georgia" panose="02040502050405020303" pitchFamily="18" charset="0"/>
                 <a:sym typeface="Wingdings" panose="05000000000000000000" pitchFamily="2" charset="2"/>
               </a:rPr>
-              <a:t>Google Cloud Messaging.</a:t>
+              <a:t> Cloud Messaging.</a:t>
             </a:r>
           </a:p>
           <a:p>
@@ -25402,69 +24950,130 @@
         </p:nvSpPr>
         <p:spPr>
           <a:xfrm>
-            <a:off x="838200" y="1825625"/>
-            <a:ext cx="11069320" cy="4351338"/>
+            <a:off x="838200" y="1784529"/>
+            <a:ext cx="11069320" cy="4883400"/>
           </a:xfrm>
         </p:spPr>
         <p:txBody>
-          <a:bodyPr/>
+          <a:bodyPr>
+            <a:noAutofit/>
+          </a:bodyPr>
           <a:lstStyle/>
           <a:p>
+            <a:pPr marL="0" indent="0">
+              <a:buNone/>
+            </a:pPr>
+            <a:r>
+              <a:rPr lang="en-US" sz="2400" dirty="0">
+                <a:latin typeface="Georgia" panose="02040502050405020303" pitchFamily="18" charset="0"/>
+              </a:rPr>
+              <a:t>Not only GPS, could be:</a:t>
+            </a:r>
+          </a:p>
+          <a:p>
+            <a:r>
+              <a:rPr lang="en-US" sz="2400" dirty="0">
+                <a:latin typeface="Georgia" panose="02040502050405020303" pitchFamily="18" charset="0"/>
+              </a:rPr>
+              <a:t>GLONASS (Soviet/Russia)</a:t>
+            </a:r>
+          </a:p>
+          <a:p>
+            <a:pPr lvl="1"/>
+            <a:r>
+              <a:rPr lang="en-US" sz="2000" dirty="0"/>
+              <a:t>"[...] in October 2011 the full orbital constellation of 24 satellites was restored, enabling full global coverage."</a:t>
+            </a:r>
+          </a:p>
+          <a:p>
+            <a:r>
+              <a:rPr lang="en-US" sz="2400" dirty="0">
+                <a:latin typeface="Georgia" panose="02040502050405020303" pitchFamily="18" charset="0"/>
+              </a:rPr>
+              <a:t>Galileo (European Union)</a:t>
+            </a:r>
+          </a:p>
+          <a:p>
+            <a:pPr lvl="1"/>
             <a:r>
               <a:rPr lang="en-US" dirty="0">
                 <a:latin typeface="Georgia" panose="02040502050405020303" pitchFamily="18" charset="0"/>
               </a:rPr>
-              <a:t>Not only GPS, could be GLONASS (Soviet/Russia), completed 2011.</a:t>
-            </a:r>
-          </a:p>
-          <a:p>
+              <a:t>"</a:t>
+            </a:r>
+            <a:r>
+              <a:rPr lang="en-US" sz="1800" dirty="0"/>
+              <a:t>As of July 2018, 26 of the planned 30 active satellites are in orbit.</a:t>
+            </a:r>
             <a:r>
               <a:rPr lang="en-US" dirty="0">
                 <a:latin typeface="Georgia" panose="02040502050405020303" pitchFamily="18" charset="0"/>
               </a:rPr>
-              <a:t>Upcoming: Galileo (European Union), BeiDou-2 (China).</a:t>
-            </a:r>
-          </a:p>
-          <a:p>
-            <a:r>
-              <a:rPr lang="en-US" dirty="0">
+              <a:t>"</a:t>
+            </a:r>
+            <a:endParaRPr lang="en-US" sz="3600" dirty="0">
+              <a:latin typeface="Georgia" panose="02040502050405020303" pitchFamily="18" charset="0"/>
+            </a:endParaRPr>
+          </a:p>
+          <a:p>
+            <a:r>
+              <a:rPr lang="en-US" sz="2400" dirty="0">
                 <a:latin typeface="Georgia" panose="02040502050405020303" pitchFamily="18" charset="0"/>
               </a:rPr>
+              <a:t>BeiDou-3 (China):</a:t>
+            </a:r>
+          </a:p>
+          <a:p>
+            <a:pPr lvl="1"/>
+            <a:r>
+              <a:rPr lang="en-US" sz="2000" dirty="0"/>
+              <a:t>"As of October 2018, fifteen BDS-3 satellites have been launched.</a:t>
+            </a:r>
+            <a:r>
+              <a:rPr lang="en-US" sz="2000" baseline="30000" dirty="0"/>
+              <a:t> </a:t>
+            </a:r>
+            <a:r>
+              <a:rPr lang="en-US" sz="2000" dirty="0"/>
+              <a:t>BeiDou-3 will eventually consist of 35 satellites and is expected to provide global services upon completion in 2020."</a:t>
+            </a:r>
+          </a:p>
+          <a:p>
+            <a:pPr marL="0" indent="0">
+              <a:buNone/>
+            </a:pPr>
+            <a:r>
+              <a:rPr lang="en-US" sz="2400" dirty="0">
+                <a:latin typeface="Georgia" panose="02040502050405020303" pitchFamily="18" charset="0"/>
+              </a:rPr>
               <a:t>Relies on trilateration:</a:t>
             </a:r>
           </a:p>
           <a:p>
-            <a:pPr lvl="1"/>
-            <a:r>
-              <a:rPr lang="en-US" dirty="0">
+            <a:r>
+              <a:rPr lang="en-US" sz="1600" dirty="0">
                 <a:latin typeface="Georgia" panose="02040502050405020303" pitchFamily="18" charset="0"/>
               </a:rPr>
               <a:t>More connected satellites </a:t>
             </a:r>
             <a:r>
-              <a:rPr lang="en-US" dirty="0">
+              <a:rPr lang="en-US" sz="1600" dirty="0">
                 <a:latin typeface="Georgia" panose="02040502050405020303" pitchFamily="18" charset="0"/>
                 <a:sym typeface="Wingdings" panose="05000000000000000000" pitchFamily="2" charset="2"/>
               </a:rPr>
               <a:t> better precision.</a:t>
             </a:r>
-            <a:endParaRPr lang="en-US" dirty="0">
+            <a:endParaRPr lang="en-US" sz="1600" dirty="0">
               <a:latin typeface="Georgia" panose="02040502050405020303" pitchFamily="18" charset="0"/>
             </a:endParaRPr>
           </a:p>
           <a:p>
-            <a:pPr lvl="1"/>
-            <a:r>
-              <a:rPr lang="en-US" dirty="0">
+            <a:r>
+              <a:rPr lang="en-US" sz="1600" dirty="0">
                 <a:latin typeface="Georgia" panose="02040502050405020303" pitchFamily="18" charset="0"/>
               </a:rPr>
               <a:t>Each connected satellite consumes battery power.</a:t>
             </a:r>
-          </a:p>
-          <a:p>
-            <a:endParaRPr lang="en-US" dirty="0">
-              <a:latin typeface="Georgia" panose="02040502050405020303" pitchFamily="18" charset="0"/>
-            </a:endParaRPr>
           </a:p>
         </p:txBody>
       </p:sp>
@@ -25711,6 +25320,251 @@
                                           <p:spTgt spid="3">
                                             <p:txEl>
                                               <p:pRg st="4" end="4"/>
+                                            </p:txEl>
+                                          </p:spTgt>
+                                        </p:tgtEl>
+                                        <p:attrNameLst>
+                                          <p:attrName>style.visibility</p:attrName>
+                                        </p:attrNameLst>
+                                      </p:cBhvr>
+                                      <p:to>
+                                        <p:strVal val="visible"/>
+                                      </p:to>
+                                    </p:set>
+                                  </p:childTnLst>
+                                </p:cTn>
+                              </p:par>
+                            </p:childTnLst>
+                          </p:cTn>
+                        </p:par>
+                      </p:childTnLst>
+                    </p:cTn>
+                  </p:par>
+                  <p:par>
+                    <p:cTn id="23" fill="hold">
+                      <p:stCondLst>
+                        <p:cond delay="indefinite"/>
+                      </p:stCondLst>
+                      <p:childTnLst>
+                        <p:par>
+                          <p:cTn id="24" fill="hold">
+                            <p:stCondLst>
+                              <p:cond delay="0"/>
+                            </p:stCondLst>
+                            <p:childTnLst>
+                              <p:par>
+                                <p:cTn id="25" presetID="1" presetClass="entr" presetSubtype="0" fill="hold" nodeType="clickEffect">
+                                  <p:stCondLst>
+                                    <p:cond delay="0"/>
+                                  </p:stCondLst>
+                                  <p:childTnLst>
+                                    <p:set>
+                                      <p:cBhvr>
+                                        <p:cTn id="26" dur="1" fill="hold">
+                                          <p:stCondLst>
+                                            <p:cond delay="0"/>
+                                          </p:stCondLst>
+                                        </p:cTn>
+                                        <p:tgtEl>
+                                          <p:spTgt spid="3">
+                                            <p:txEl>
+                                              <p:pRg st="5" end="5"/>
+                                            </p:txEl>
+                                          </p:spTgt>
+                                        </p:tgtEl>
+                                        <p:attrNameLst>
+                                          <p:attrName>style.visibility</p:attrName>
+                                        </p:attrNameLst>
+                                      </p:cBhvr>
+                                      <p:to>
+                                        <p:strVal val="visible"/>
+                                      </p:to>
+                                    </p:set>
+                                  </p:childTnLst>
+                                </p:cTn>
+                              </p:par>
+                            </p:childTnLst>
+                          </p:cTn>
+                        </p:par>
+                      </p:childTnLst>
+                    </p:cTn>
+                  </p:par>
+                  <p:par>
+                    <p:cTn id="27" fill="hold">
+                      <p:stCondLst>
+                        <p:cond delay="indefinite"/>
+                      </p:stCondLst>
+                      <p:childTnLst>
+                        <p:par>
+                          <p:cTn id="28" fill="hold">
+                            <p:stCondLst>
+                              <p:cond delay="0"/>
+                            </p:stCondLst>
+                            <p:childTnLst>
+                              <p:par>
+                                <p:cTn id="29" presetID="1" presetClass="entr" presetSubtype="0" fill="hold" nodeType="clickEffect">
+                                  <p:stCondLst>
+                                    <p:cond delay="0"/>
+                                  </p:stCondLst>
+                                  <p:childTnLst>
+                                    <p:set>
+                                      <p:cBhvr>
+                                        <p:cTn id="30" dur="1" fill="hold">
+                                          <p:stCondLst>
+                                            <p:cond delay="0"/>
+                                          </p:stCondLst>
+                                        </p:cTn>
+                                        <p:tgtEl>
+                                          <p:spTgt spid="3">
+                                            <p:txEl>
+                                              <p:pRg st="6" end="6"/>
+                                            </p:txEl>
+                                          </p:spTgt>
+                                        </p:tgtEl>
+                                        <p:attrNameLst>
+                                          <p:attrName>style.visibility</p:attrName>
+                                        </p:attrNameLst>
+                                      </p:cBhvr>
+                                      <p:to>
+                                        <p:strVal val="visible"/>
+                                      </p:to>
+                                    </p:set>
+                                  </p:childTnLst>
+                                </p:cTn>
+                              </p:par>
+                            </p:childTnLst>
+                          </p:cTn>
+                        </p:par>
+                      </p:childTnLst>
+                    </p:cTn>
+                  </p:par>
+                  <p:par>
+                    <p:cTn id="31" fill="hold">
+                      <p:stCondLst>
+                        <p:cond delay="indefinite"/>
+                      </p:stCondLst>
+                      <p:childTnLst>
+                        <p:par>
+                          <p:cTn id="32" fill="hold">
+                            <p:stCondLst>
+                              <p:cond delay="0"/>
+                            </p:stCondLst>
+                            <p:childTnLst>
+                              <p:par>
+                                <p:cTn id="33" presetID="1" presetClass="entr" presetSubtype="0" fill="hold" nodeType="clickEffect">
+                                  <p:stCondLst>
+                                    <p:cond delay="0"/>
+                                  </p:stCondLst>
+                                  <p:childTnLst>
+                                    <p:set>
+                                      <p:cBhvr>
+                                        <p:cTn id="34" dur="1" fill="hold">
+                                          <p:stCondLst>
+                                            <p:cond delay="0"/>
+                                          </p:stCondLst>
+                                        </p:cTn>
+                                        <p:tgtEl>
+                                          <p:spTgt spid="3">
+                                            <p:txEl>
+                                              <p:pRg st="7" end="7"/>
+                                            </p:txEl>
+                                          </p:spTgt>
+                                        </p:tgtEl>
+                                        <p:attrNameLst>
+                                          <p:attrName>style.visibility</p:attrName>
+                                        </p:attrNameLst>
+                                      </p:cBhvr>
+                                      <p:to>
+                                        <p:strVal val="visible"/>
+                                      </p:to>
+                                    </p:set>
+                                  </p:childTnLst>
+                                </p:cTn>
+                              </p:par>
+                            </p:childTnLst>
+                          </p:cTn>
+                        </p:par>
+                      </p:childTnLst>
+                    </p:cTn>
+                  </p:par>
+                  <p:par>
+                    <p:cTn id="35" fill="hold">
+                      <p:stCondLst>
+                        <p:cond delay="indefinite"/>
+                      </p:stCondLst>
+                      <p:childTnLst>
+                        <p:par>
+                          <p:cTn id="36" fill="hold">
+                            <p:stCondLst>
+                              <p:cond delay="0"/>
+                            </p:stCondLst>
+                            <p:childTnLst>
+                              <p:par>
+                                <p:cTn id="37" presetID="1" presetClass="entr" presetSubtype="0" fill="hold" nodeType="clickEffect">
+                                  <p:stCondLst>
+                                    <p:cond delay="0"/>
+                                  </p:stCondLst>
+                                  <p:childTnLst>
+                                    <p:set>
+                                      <p:cBhvr>
+                                        <p:cTn id="38" dur="1" fill="hold">
+                                          <p:stCondLst>
+                                            <p:cond delay="0"/>
+                                          </p:stCondLst>
+                                        </p:cTn>
+                                        <p:tgtEl>
+                                          <p:spTgt spid="3">
+                                            <p:txEl>
+                                              <p:pRg st="8" end="8"/>
+                                            </p:txEl>
+                                          </p:spTgt>
+                                        </p:tgtEl>
+                                        <p:attrNameLst>
+                                          <p:attrName>style.visibility</p:attrName>
+                                        </p:attrNameLst>
+                                      </p:cBhvr>
+                                      <p:to>
+                                        <p:strVal val="visible"/>
+                                      </p:to>
+                                    </p:set>
+                                  </p:childTnLst>
+                                </p:cTn>
+                              </p:par>
+                            </p:childTnLst>
+                          </p:cTn>
+                        </p:par>
+                      </p:childTnLst>
+                    </p:cTn>
+                  </p:par>
+                  <p:par>
+                    <p:cTn id="39" fill="hold">
+                      <p:stCondLst>
+                        <p:cond delay="indefinite"/>
+                      </p:stCondLst>
+                      <p:childTnLst>
+                        <p:par>
+                          <p:cTn id="40" fill="hold">
+                            <p:stCondLst>
+                              <p:cond delay="0"/>
+                            </p:stCondLst>
+                            <p:childTnLst>
+                              <p:par>
+                                <p:cTn id="41" presetID="1" presetClass="entr" presetSubtype="0" fill="hold" nodeType="clickEffect">
+                                  <p:stCondLst>
+                                    <p:cond delay="0"/>
+                                  </p:stCondLst>
+                                  <p:childTnLst>
+                                    <p:set>
+                                      <p:cBhvr>
+                                        <p:cTn id="42" dur="1" fill="hold">
+                                          <p:stCondLst>
+                                            <p:cond delay="0"/>
+                                          </p:stCondLst>
+                                        </p:cTn>
+                                        <p:tgtEl>
+                                          <p:spTgt spid="3">
+                                            <p:txEl>
+                                              <p:pRg st="9" end="9"/>
                                             </p:txEl>
                                           </p:spTgt>
                                         </p:tgtEl>
